--- a/pdf/Elena Stenina presentation.pptx
+++ b/pdf/Elena Stenina presentation.pptx
@@ -121,6 +121,82 @@
 </p:presentation>
 </file>
 
+<file path=ppt/revisionInfo.xml><?xml version="1.0" encoding="utf-8"?>
+<p1510:revInfo xmlns:a="http://schemas.openxmlformats.org/drawingml/2006/main" xmlns:r="http://schemas.openxmlformats.org/officeDocument/2006/relationships" xmlns:p1510="http://schemas.microsoft.com/office/powerpoint/2015/10/main">
+  <p1510:revLst>
+    <p1510:client id="{68438F9E-6AAF-4A1A-9C1B-1F30D1B64296}" v="1" dt="2020-03-10T01:16:51.769"/>
+  </p1510:revLst>
+</p1510:revInfo>
+</file>
+
+<file path=ppt/changesInfos/changesInfo1.xml><?xml version="1.0" encoding="utf-8"?>
+<pc:chgInfo xmlns:a="http://schemas.openxmlformats.org/drawingml/2006/main" xmlns:r="http://schemas.openxmlformats.org/officeDocument/2006/relationships" xmlns:ac="http://schemas.microsoft.com/office/drawing/2013/main/command" xmlns:pc="http://schemas.microsoft.com/office/powerpoint/2013/main/command">
+  <pc:docChgLst>
+    <pc:chgData name="Elena Stenina" userId="bb1b07ac917b67b8" providerId="LiveId" clId="{68438F9E-6AAF-4A1A-9C1B-1F30D1B64296}"/>
+    <pc:docChg chg="undo custSel mod modSld">
+      <pc:chgData name="Elena Stenina" userId="bb1b07ac917b67b8" providerId="LiveId" clId="{68438F9E-6AAF-4A1A-9C1B-1F30D1B64296}" dt="2020-03-10T01:17:26.361" v="32" actId="120"/>
+      <pc:docMkLst>
+        <pc:docMk/>
+      </pc:docMkLst>
+      <pc:sldChg chg="addSp delSp modSp mod setBg">
+        <pc:chgData name="Elena Stenina" userId="bb1b07ac917b67b8" providerId="LiveId" clId="{68438F9E-6AAF-4A1A-9C1B-1F30D1B64296}" dt="2020-03-10T01:17:26.361" v="32" actId="120"/>
+        <pc:sldMkLst>
+          <pc:docMk/>
+          <pc:sldMk cId="910792963" sldId="256"/>
+        </pc:sldMkLst>
+        <pc:spChg chg="mod">
+          <ac:chgData name="Elena Stenina" userId="bb1b07ac917b67b8" providerId="LiveId" clId="{68438F9E-6AAF-4A1A-9C1B-1F30D1B64296}" dt="2020-03-10T01:17:26.361" v="32" actId="120"/>
+          <ac:spMkLst>
+            <pc:docMk/>
+            <pc:sldMk cId="910792963" sldId="256"/>
+            <ac:spMk id="2" creationId="{D526A735-0158-43AB-A399-730251CE3B21}"/>
+          </ac:spMkLst>
+        </pc:spChg>
+        <pc:spChg chg="mod">
+          <ac:chgData name="Elena Stenina" userId="bb1b07ac917b67b8" providerId="LiveId" clId="{68438F9E-6AAF-4A1A-9C1B-1F30D1B64296}" dt="2020-03-10T01:17:21.416" v="30" actId="20577"/>
+          <ac:spMkLst>
+            <pc:docMk/>
+            <pc:sldMk cId="910792963" sldId="256"/>
+            <ac:spMk id="3" creationId="{5F517AFD-D874-4AB9-BC24-97A74D9E7942}"/>
+          </ac:spMkLst>
+        </pc:spChg>
+        <pc:picChg chg="del">
+          <ac:chgData name="Elena Stenina" userId="bb1b07ac917b67b8" providerId="LiveId" clId="{68438F9E-6AAF-4A1A-9C1B-1F30D1B64296}" dt="2020-03-10T01:16:42.268" v="1" actId="478"/>
+          <ac:picMkLst>
+            <pc:docMk/>
+            <pc:sldMk cId="910792963" sldId="256"/>
+            <ac:picMk id="5" creationId="{F85F86FC-B7CA-4FBB-BC2F-C57AF468A8E4}"/>
+          </ac:picMkLst>
+        </pc:picChg>
+        <pc:picChg chg="add mod">
+          <ac:chgData name="Elena Stenina" userId="bb1b07ac917b67b8" providerId="LiveId" clId="{68438F9E-6AAF-4A1A-9C1B-1F30D1B64296}" dt="2020-03-10T01:17:08.383" v="8" actId="26606"/>
+          <ac:picMkLst>
+            <pc:docMk/>
+            <pc:sldMk cId="910792963" sldId="256"/>
+            <ac:picMk id="6" creationId="{3682A84E-CCFD-4E7D-B1F9-3912C5CD0AA5}"/>
+          </ac:picMkLst>
+        </pc:picChg>
+      </pc:sldChg>
+      <pc:sldChg chg="modSp mod">
+        <pc:chgData name="Elena Stenina" userId="bb1b07ac917b67b8" providerId="LiveId" clId="{68438F9E-6AAF-4A1A-9C1B-1F30D1B64296}" dt="2020-03-10T00:51:22.992" v="0" actId="20577"/>
+        <pc:sldMkLst>
+          <pc:docMk/>
+          <pc:sldMk cId="645120958" sldId="261"/>
+        </pc:sldMkLst>
+        <pc:spChg chg="mod">
+          <ac:chgData name="Elena Stenina" userId="bb1b07ac917b67b8" providerId="LiveId" clId="{68438F9E-6AAF-4A1A-9C1B-1F30D1B64296}" dt="2020-03-10T00:51:22.992" v="0" actId="20577"/>
+          <ac:spMkLst>
+            <pc:docMk/>
+            <pc:sldMk cId="645120958" sldId="261"/>
+            <ac:spMk id="3" creationId="{45D031AA-E46B-41F7-B0DE-D36A845FC3E3}"/>
+          </ac:spMkLst>
+        </pc:spChg>
+      </pc:sldChg>
+    </pc:docChg>
+  </pc:docChgLst>
+</pc:chgInfo>
+</file>
+
 <file path=ppt/slideLayouts/slideLayout1.xml><?xml version="1.0" encoding="utf-8"?>
 <p:sldLayout xmlns:a="http://schemas.openxmlformats.org/drawingml/2006/main" xmlns:r="http://schemas.openxmlformats.org/officeDocument/2006/relationships" xmlns:p="http://schemas.openxmlformats.org/presentationml/2006/main" showMasterSp="0" type="title" preserve="1">
   <p:cSld name="Title Slide">
@@ -768,7 +844,7 @@
             <a:fld id="{1E700B27-DE4C-4B9E-BB11-B9027034A00F}" type="datetimeFigureOut">
               <a:rPr lang="en-US" dirty="0"/>
               <a:pPr/>
-              <a:t>6/29/2019</a:t>
+              <a:t>3/9/2020</a:t>
             </a:fld>
             <a:endParaRPr lang="en-US" dirty="0"/>
           </a:p>
@@ -1888,7 +1964,7 @@
           <a:p>
             <a:fld id="{C40F4739-9812-4A9F-890D-2AD6BA5F6EE8}" type="datetimeFigureOut">
               <a:rPr lang="en-US" dirty="0"/>
-              <a:t>6/29/2019</a:t>
+              <a:t>3/9/2020</a:t>
             </a:fld>
             <a:endParaRPr lang="en-US" dirty="0"/>
           </a:p>
@@ -2899,7 +2975,7 @@
           <a:p>
             <a:fld id="{18845AC5-A3F8-44AA-BA8F-596CDCC976D3}" type="datetimeFigureOut">
               <a:rPr lang="en-US" dirty="0"/>
-              <a:t>6/29/2019</a:t>
+              <a:t>3/9/2020</a:t>
             </a:fld>
             <a:endParaRPr lang="en-US" dirty="0"/>
           </a:p>
@@ -4069,7 +4145,7 @@
           <a:p>
             <a:fld id="{C873B183-A821-4095-A363-9EC968635539}" type="datetimeFigureOut">
               <a:rPr lang="en-US" dirty="0"/>
-              <a:t>6/29/2019</a:t>
+              <a:t>3/9/2020</a:t>
             </a:fld>
             <a:endParaRPr lang="en-US" dirty="0"/>
           </a:p>
@@ -5130,7 +5206,7 @@
           <a:p>
             <a:fld id="{174D01B4-0AA5-45E6-B2E6-5FA4078AEBCF}" type="datetimeFigureOut">
               <a:rPr lang="en-US" dirty="0"/>
-              <a:t>6/29/2019</a:t>
+              <a:t>3/9/2020</a:t>
             </a:fld>
             <a:endParaRPr lang="en-US" dirty="0"/>
           </a:p>
@@ -5776,7 +5852,7 @@
           <a:p>
             <a:fld id="{4147335C-0450-40D7-8612-B3203BED4F28}" type="datetimeFigureOut">
               <a:rPr lang="en-US" dirty="0"/>
-              <a:t>6/29/2019</a:t>
+              <a:t>3/9/2020</a:t>
             </a:fld>
             <a:endParaRPr lang="en-US" dirty="0"/>
           </a:p>
@@ -6623,7 +6699,7 @@
           <a:p>
             <a:fld id="{D246A105-2A1C-4284-B4EA-07CF89B1A393}" type="datetimeFigureOut">
               <a:rPr lang="en-US" dirty="0"/>
-              <a:t>6/29/2019</a:t>
+              <a:t>3/9/2020</a:t>
             </a:fld>
             <a:endParaRPr lang="en-US" dirty="0"/>
           </a:p>
@@ -6798,7 +6874,7 @@
           <a:p>
             <a:fld id="{80DBE609-F3F2-45E6-BD6A-E03A8C86C1AE}" type="datetimeFigureOut">
               <a:rPr lang="en-US" dirty="0"/>
-              <a:t>6/29/2019</a:t>
+              <a:t>3/9/2020</a:t>
             </a:fld>
             <a:endParaRPr lang="en-US" dirty="0"/>
           </a:p>
@@ -7796,7 +7872,7 @@
           <a:p>
             <a:fld id="{7A24AD68-089C-4467-A8F3-EA2BBCA6B44E}" type="datetimeFigureOut">
               <a:rPr lang="en-US" dirty="0"/>
-              <a:t>6/29/2019</a:t>
+              <a:t>3/9/2020</a:t>
             </a:fld>
             <a:endParaRPr lang="en-US" dirty="0"/>
           </a:p>
@@ -8002,7 +8078,7 @@
           <a:p>
             <a:fld id="{75C51FCE-E4BB-4680-8E50-3C0E348D2609}" type="datetimeFigureOut">
               <a:rPr lang="en-US" dirty="0"/>
-              <a:t>6/29/2019</a:t>
+              <a:t>3/9/2020</a:t>
             </a:fld>
             <a:endParaRPr lang="en-US" dirty="0"/>
           </a:p>
@@ -9064,7 +9140,7 @@
           <a:p>
             <a:fld id="{8AAA073D-A903-47F8-8D16-77642FB0DF1F}" type="datetimeFigureOut">
               <a:rPr lang="en-US" dirty="0"/>
-              <a:t>6/29/2019</a:t>
+              <a:t>3/9/2020</a:t>
             </a:fld>
             <a:endParaRPr lang="en-US" dirty="0"/>
           </a:p>
@@ -9336,7 +9412,7 @@
           <a:p>
             <a:fld id="{AB91FA40-626B-4CA1-85D0-7A9016E395BA}" type="datetimeFigureOut">
               <a:rPr lang="en-US" dirty="0"/>
-              <a:t>6/29/2019</a:t>
+              <a:t>3/9/2020</a:t>
             </a:fld>
             <a:endParaRPr lang="en-US" dirty="0"/>
           </a:p>
@@ -9718,7 +9794,7 @@
           <a:p>
             <a:fld id="{C3F425EA-B9DC-48A7-991E-9A82573B1B21}" type="datetimeFigureOut">
               <a:rPr lang="en-US" dirty="0"/>
-              <a:t>6/29/2019</a:t>
+              <a:t>3/9/2020</a:t>
             </a:fld>
             <a:endParaRPr lang="en-US" dirty="0"/>
           </a:p>
@@ -9836,7 +9912,7 @@
           <a:p>
             <a:fld id="{66CB97F8-6CEB-469B-AFCC-889F2A2B1D5A}" type="datetimeFigureOut">
               <a:rPr lang="en-US" dirty="0"/>
-              <a:t>6/29/2019</a:t>
+              <a:t>3/9/2020</a:t>
             </a:fld>
             <a:endParaRPr lang="en-US" dirty="0"/>
           </a:p>
@@ -9931,7 +10007,7 @@
           <a:p>
             <a:fld id="{8FA9179F-009E-4FA5-B091-7EBB82A185BD}" type="datetimeFigureOut">
               <a:rPr lang="en-US" dirty="0"/>
-              <a:t>6/29/2019</a:t>
+              <a:t>3/9/2020</a:t>
             </a:fld>
             <a:endParaRPr lang="en-US" dirty="0"/>
           </a:p>
@@ -11040,7 +11116,7 @@
           <a:p>
             <a:fld id="{8E665CEB-0076-4E37-B880-BCEA9784DE0A}" type="datetimeFigureOut">
               <a:rPr lang="en-US" dirty="0"/>
-              <a:t>6/29/2019</a:t>
+              <a:t>3/9/2020</a:t>
             </a:fld>
             <a:endParaRPr lang="en-US" dirty="0"/>
           </a:p>
@@ -12173,7 +12249,7 @@
           <a:p>
             <a:fld id="{A6149E5E-3896-4118-99A7-7B85668F1C5E}" type="datetimeFigureOut">
               <a:rPr lang="en-US" dirty="0"/>
-              <a:t>6/29/2019</a:t>
+              <a:t>3/9/2020</a:t>
             </a:fld>
             <a:endParaRPr lang="en-US" dirty="0"/>
           </a:p>
@@ -13201,7 +13277,7 @@
           <a:p>
             <a:fld id="{7E0D914D-B099-4142-A885-11F276715148}" type="datetimeFigureOut">
               <a:rPr lang="en-US" dirty="0"/>
-              <a:t>6/29/2019</a:t>
+              <a:t>3/9/2020</a:t>
             </a:fld>
             <a:endParaRPr lang="en-US" dirty="0"/>
           </a:p>
@@ -13749,6 +13825,14 @@
 <file path=ppt/slides/slide1.xml><?xml version="1.0" encoding="utf-8"?>
 <p:sld xmlns:a="http://schemas.openxmlformats.org/drawingml/2006/main" xmlns:r="http://schemas.openxmlformats.org/officeDocument/2006/relationships" xmlns:p="http://schemas.openxmlformats.org/presentationml/2006/main">
   <p:cSld>
+    <p:bg>
+      <p:bgPr>
+        <a:solidFill>
+          <a:schemeClr val="bg1"/>
+        </a:solidFill>
+        <a:effectLst/>
+      </p:bgPr>
+    </p:bg>
     <p:spTree>
       <p:nvGrpSpPr>
         <p:cNvPr id="1" name=""/>
@@ -13763,45 +13847,6 @@
           <a:chExt cx="0" cy="0"/>
         </a:xfrm>
       </p:grpSpPr>
-      <p:pic>
-        <p:nvPicPr>
-          <p:cNvPr id="5" name="Picture 4" descr="A screenshot of a cell phone&#10;&#10;Description generated with high confidence">
-            <a:extLst>
-              <a:ext uri="{FF2B5EF4-FFF2-40B4-BE49-F238E27FC236}">
-                <a16:creationId xmlns:a16="http://schemas.microsoft.com/office/drawing/2014/main" id="{F85F86FC-B7CA-4FBB-BC2F-C57AF468A8E4}"/>
-              </a:ext>
-            </a:extLst>
-          </p:cNvPr>
-          <p:cNvPicPr>
-            <a:picLocks noChangeAspect="1"/>
-          </p:cNvPicPr>
-          <p:nvPr/>
-        </p:nvPicPr>
-        <p:blipFill>
-          <a:blip r:embed="rId2"/>
-          <a:stretch>
-            <a:fillRect/>
-          </a:stretch>
-        </p:blipFill>
-        <p:spPr>
-          <a:xfrm>
-            <a:off x="1109763" y="1522455"/>
-            <a:ext cx="6470907" cy="3809973"/>
-          </a:xfrm>
-          <a:prstGeom prst="roundRect">
-            <a:avLst>
-              <a:gd name="adj" fmla="val 1858"/>
-            </a:avLst>
-          </a:prstGeom>
-          <a:effectLst>
-            <a:outerShdw blurRad="50800" dist="50800" dir="5400000" algn="tl" rotWithShape="0">
-              <a:srgbClr val="000000">
-                <a:alpha val="43000"/>
-              </a:srgbClr>
-            </a:outerShdw>
-          </a:effectLst>
-        </p:spPr>
-      </p:pic>
       <p:sp>
         <p:nvSpPr>
           <p:cNvPr id="2" name="Title 1">
@@ -13831,10 +13876,9 @@
           <a:lstStyle/>
           <a:p>
             <a:r>
-              <a:rPr lang="en-US"/>
+              <a:rPr lang="en-US" dirty="0"/>
               <a:t>Elena Stenina</a:t>
             </a:r>
-            <a:endParaRPr lang="en-US" dirty="0"/>
           </a:p>
         </p:txBody>
       </p:sp>
@@ -13874,11 +13918,50 @@
           <a:p>
             <a:r>
               <a:rPr lang="en-US" dirty="0"/>
-              <a:t>2019</a:t>
+              <a:t>                    2020</a:t>
             </a:r>
           </a:p>
         </p:txBody>
       </p:sp>
+      <p:pic>
+        <p:nvPicPr>
+          <p:cNvPr id="6" name="Picture 5" descr="A close up of a sign&#10;&#10;Description automatically generated">
+            <a:extLst>
+              <a:ext uri="{FF2B5EF4-FFF2-40B4-BE49-F238E27FC236}">
+                <a16:creationId xmlns:a16="http://schemas.microsoft.com/office/drawing/2014/main" id="{3682A84E-CCFD-4E7D-B1F9-3912C5CD0AA5}"/>
+              </a:ext>
+            </a:extLst>
+          </p:cNvPr>
+          <p:cNvPicPr>
+            <a:picLocks noChangeAspect="1"/>
+          </p:cNvPicPr>
+          <p:nvPr/>
+        </p:nvPicPr>
+        <p:blipFill>
+          <a:blip r:embed="rId2"/>
+          <a:stretch>
+            <a:fillRect/>
+          </a:stretch>
+        </p:blipFill>
+        <p:spPr>
+          <a:xfrm>
+            <a:off x="1109763" y="1518525"/>
+            <a:ext cx="6470907" cy="3817834"/>
+          </a:xfrm>
+          <a:prstGeom prst="roundRect">
+            <a:avLst>
+              <a:gd name="adj" fmla="val 1858"/>
+            </a:avLst>
+          </a:prstGeom>
+          <a:effectLst>
+            <a:outerShdw blurRad="50800" dist="50800" dir="5400000" algn="tl" rotWithShape="0">
+              <a:srgbClr val="000000">
+                <a:alpha val="43000"/>
+              </a:srgbClr>
+            </a:outerShdw>
+          </a:effectLst>
+        </p:spPr>
+      </p:pic>
     </p:spTree>
     <p:extLst>
       <p:ext uri="{BB962C8B-B14F-4D97-AF65-F5344CB8AC3E}">
@@ -15022,14 +15105,19 @@
             <p:ph idx="1"/>
           </p:nvPr>
         </p:nvSpPr>
-        <p:spPr/>
+        <p:spPr>
+          <a:xfrm>
+            <a:off x="1154954" y="2468032"/>
+            <a:ext cx="8761412" cy="3416300"/>
+          </a:xfrm>
+        </p:spPr>
         <p:txBody>
           <a:bodyPr/>
           <a:lstStyle/>
           <a:p>
             <a:r>
               <a:rPr lang="en-US" dirty="0"/>
-              <a:t>My name is Elena Stenina. I came from Russian 9 years ago to find a new life here, completed my education here as Computer Programmer. I am married, have two handsome sons. I work full-time in Berkeley Electric Coop as Software Developer.  I love to spend a lot of time with computer to work with any tasks. I am very active person, like swimming, running, play tennis, play volleyball, dancing. My hobby is creating flowers’ design.</a:t>
+              <a:t>My name is Elena Stenina. I came from Russian 10 years ago to find a new life here. I graduated college in Russia and received Bachelor Degree in Computer Science. I got my Associated Degree as Computer Programmer in USA 2017. I have two handsome sons. I worked full-time in Berkeley Electric Coop as Software Developer and working as Front-End Developer in Vectra. I love to spend a lot of time with computer to resolve tasks as front and back Developer I am very active person, like swimming, running, play tennis, play volleyball, dancing. My hobby is creating flowers’ design.</a:t>
             </a:r>
           </a:p>
         </p:txBody>
@@ -16756,7 +16844,7 @@
             </a:pPr>
             <a:r>
               <a:rPr lang="en-US" dirty="0"/>
-              <a:t>se code libraries, which are collections of independent lines of code, to simplify the writing</a:t>
+              <a:t>use code libraries, which are collections of independent lines of code, to simplify the writing</a:t>
             </a:r>
           </a:p>
         </p:txBody>
